--- a/assets/Language Translator PPT.pptx
+++ b/assets/Language Translator PPT.pptx
@@ -51,7 +51,7 @@
 <file path=ppt/revisionInfo.xml><?xml version="1.0" encoding="utf-8"?>
 <p1510:revInfo xmlns:a="http://schemas.openxmlformats.org/drawingml/2006/main" xmlns:r="http://schemas.openxmlformats.org/officeDocument/2006/relationships" xmlns:p1510="http://schemas.microsoft.com/office/powerpoint/2015/10/main">
   <p1510:revLst>
-    <p1510:client id="{794F73D1-9CD1-4D1E-8CAF-FD32BEE32033}" v="20" dt="2025-03-20T04:11:13.421"/>
+    <p1510:client id="{794F73D1-9CD1-4D1E-8CAF-FD32BEE32033}" v="21" dt="2025-03-20T04:35:34.789"/>
   </p1510:revLst>
 </p1510:revInfo>
 </file>
@@ -61,7 +61,7 @@
   <pc:docChgLst>
     <pc:chgData name="Krishna Patil" userId="9513150cda545443" providerId="LiveId" clId="{794F73D1-9CD1-4D1E-8CAF-FD32BEE32033}"/>
     <pc:docChg chg="custSel modSld modMainMaster">
-      <pc:chgData name="Krishna Patil" userId="9513150cda545443" providerId="LiveId" clId="{794F73D1-9CD1-4D1E-8CAF-FD32BEE32033}" dt="2025-03-20T04:11:13.420" v="269"/>
+      <pc:chgData name="Krishna Patil" userId="9513150cda545443" providerId="LiveId" clId="{794F73D1-9CD1-4D1E-8CAF-FD32BEE32033}" dt="2025-03-20T04:35:34.789" v="270"/>
       <pc:docMkLst>
         <pc:docMk/>
       </pc:docMkLst>
@@ -80,7 +80,7 @@
         </pc:sldMkLst>
       </pc:sldChg>
       <pc:sldChg chg="modTransition">
-        <pc:chgData name="Krishna Patil" userId="9513150cda545443" providerId="LiveId" clId="{794F73D1-9CD1-4D1E-8CAF-FD32BEE32033}" dt="2025-03-20T04:11:13.420" v="269"/>
+        <pc:chgData name="Krishna Patil" userId="9513150cda545443" providerId="LiveId" clId="{794F73D1-9CD1-4D1E-8CAF-FD32BEE32033}" dt="2025-03-20T04:35:34.789" v="270"/>
         <pc:sldMkLst>
           <pc:docMk/>
           <pc:sldMk cId="0" sldId="258"/>
@@ -866,13 +866,13 @@
   <p:clrMapOvr>
     <a:masterClrMapping/>
   </p:clrMapOvr>
-  <mc:AlternateContent xmlns:mc="http://schemas.openxmlformats.org/markup-compatibility/2006">
-    <mc:Choice xmlns:p159="http://schemas.microsoft.com/office/powerpoint/2015/09/main" Requires="p159">
+  <mc:AlternateContent xmlns:mc="http://schemas.openxmlformats.org/markup-compatibility/2006" xmlns:p159="http://schemas.microsoft.com/office/powerpoint/2015/09/main">
+    <mc:Choice Requires="p159">
       <p:transition xmlns:p14="http://schemas.microsoft.com/office/powerpoint/2010/main" spd="slow" p14:dur="2000">
         <p159:morph option="byObject"/>
       </p:transition>
     </mc:Choice>
-    <mc:Fallback>
+    <mc:Fallback xmlns="">
       <p:transition spd="slow">
         <p:fade/>
       </p:transition>
@@ -1056,13 +1056,13 @@
   <p:clrMapOvr>
     <a:masterClrMapping/>
   </p:clrMapOvr>
-  <mc:AlternateContent xmlns:mc="http://schemas.openxmlformats.org/markup-compatibility/2006">
-    <mc:Choice xmlns:p159="http://schemas.microsoft.com/office/powerpoint/2015/09/main" Requires="p159">
+  <mc:AlternateContent xmlns:mc="http://schemas.openxmlformats.org/markup-compatibility/2006" xmlns:p159="http://schemas.microsoft.com/office/powerpoint/2015/09/main">
+    <mc:Choice Requires="p159">
       <p:transition xmlns:p14="http://schemas.microsoft.com/office/powerpoint/2010/main" spd="slow" p14:dur="2000">
         <p159:morph option="byObject"/>
       </p:transition>
     </mc:Choice>
-    <mc:Fallback>
+    <mc:Fallback xmlns="">
       <p:transition spd="slow">
         <p:fade/>
       </p:transition>
@@ -1563,13 +1563,13 @@
   <p:clrMapOvr>
     <a:masterClrMapping/>
   </p:clrMapOvr>
-  <mc:AlternateContent xmlns:mc="http://schemas.openxmlformats.org/markup-compatibility/2006">
-    <mc:Choice xmlns:p159="http://schemas.microsoft.com/office/powerpoint/2015/09/main" Requires="p159">
+  <mc:AlternateContent xmlns:mc="http://schemas.openxmlformats.org/markup-compatibility/2006" xmlns:p159="http://schemas.microsoft.com/office/powerpoint/2015/09/main">
+    <mc:Choice Requires="p159">
       <p:transition xmlns:p14="http://schemas.microsoft.com/office/powerpoint/2010/main" spd="slow" p14:dur="2000">
         <p159:morph option="byObject"/>
       </p:transition>
     </mc:Choice>
-    <mc:Fallback>
+    <mc:Fallback xmlns="">
       <p:transition spd="slow">
         <p:fade/>
       </p:transition>
@@ -1726,13 +1726,13 @@
   <p:clrMapOvr>
     <a:masterClrMapping/>
   </p:clrMapOvr>
-  <mc:AlternateContent xmlns:mc="http://schemas.openxmlformats.org/markup-compatibility/2006">
-    <mc:Choice xmlns:p159="http://schemas.microsoft.com/office/powerpoint/2015/09/main" Requires="p159">
+  <mc:AlternateContent xmlns:mc="http://schemas.openxmlformats.org/markup-compatibility/2006" xmlns:p159="http://schemas.microsoft.com/office/powerpoint/2015/09/main">
+    <mc:Choice Requires="p159">
       <p:transition xmlns:p14="http://schemas.microsoft.com/office/powerpoint/2010/main" spd="slow" p14:dur="2000">
         <p159:morph option="byObject"/>
       </p:transition>
     </mc:Choice>
-    <mc:Fallback>
+    <mc:Fallback xmlns="">
       <p:transition spd="slow">
         <p:fade/>
       </p:transition>
@@ -1860,13 +1860,13 @@
   <p:clrMapOvr>
     <a:masterClrMapping/>
   </p:clrMapOvr>
-  <mc:AlternateContent xmlns:mc="http://schemas.openxmlformats.org/markup-compatibility/2006">
-    <mc:Choice xmlns:p159="http://schemas.microsoft.com/office/powerpoint/2015/09/main" Requires="p159">
+  <mc:AlternateContent xmlns:mc="http://schemas.openxmlformats.org/markup-compatibility/2006" xmlns:p159="http://schemas.microsoft.com/office/powerpoint/2015/09/main">
+    <mc:Choice Requires="p159">
       <p:transition xmlns:p14="http://schemas.microsoft.com/office/powerpoint/2010/main" spd="slow" p14:dur="2000">
         <p159:morph option="byObject"/>
       </p:transition>
     </mc:Choice>
-    <mc:Fallback>
+    <mc:Fallback xmlns="">
       <p:transition spd="slow">
         <p:fade/>
       </p:transition>
@@ -2113,13 +2113,13 @@
     <p:sldLayoutId id="2147483652" r:id="rId4"/>
     <p:sldLayoutId id="2147483653" r:id="rId5"/>
   </p:sldLayoutIdLst>
-  <mc:AlternateContent xmlns:mc="http://schemas.openxmlformats.org/markup-compatibility/2006">
-    <mc:Choice xmlns:p159="http://schemas.microsoft.com/office/powerpoint/2015/09/main" Requires="p159">
+  <mc:AlternateContent xmlns:mc="http://schemas.openxmlformats.org/markup-compatibility/2006" xmlns:p159="http://schemas.microsoft.com/office/powerpoint/2015/09/main">
+    <mc:Choice Requires="p159">
       <p:transition xmlns:p14="http://schemas.microsoft.com/office/powerpoint/2010/main" spd="slow" p14:dur="2000">
         <p159:morph option="byObject"/>
       </p:transition>
     </mc:Choice>
-    <mc:Fallback>
+    <mc:Fallback xmlns="">
       <p:transition spd="slow">
         <p:fade/>
       </p:transition>
@@ -3017,13 +3017,13 @@
   <p:clrMapOvr>
     <a:masterClrMapping/>
   </p:clrMapOvr>
-  <mc:AlternateContent xmlns:mc="http://schemas.openxmlformats.org/markup-compatibility/2006">
-    <mc:Choice xmlns:p159="http://schemas.microsoft.com/office/powerpoint/2015/09/main" Requires="p159">
+  <mc:AlternateContent xmlns:mc="http://schemas.openxmlformats.org/markup-compatibility/2006" xmlns:p159="http://schemas.microsoft.com/office/powerpoint/2015/09/main">
+    <mc:Choice Requires="p159">
       <p:transition xmlns:p14="http://schemas.microsoft.com/office/powerpoint/2010/main" spd="slow" p14:dur="2000">
         <p159:morph option="byObject"/>
       </p:transition>
     </mc:Choice>
-    <mc:Fallback>
+    <mc:Fallback xmlns="">
       <p:transition spd="slow">
         <p:fade/>
       </p:transition>
@@ -3745,13 +3745,13 @@
   <p:clrMapOvr>
     <a:masterClrMapping/>
   </p:clrMapOvr>
-  <mc:AlternateContent xmlns:mc="http://schemas.openxmlformats.org/markup-compatibility/2006">
-    <mc:Choice xmlns:p159="http://schemas.microsoft.com/office/powerpoint/2015/09/main" Requires="p159">
+  <mc:AlternateContent xmlns:mc="http://schemas.openxmlformats.org/markup-compatibility/2006" xmlns:p159="http://schemas.microsoft.com/office/powerpoint/2015/09/main">
+    <mc:Choice Requires="p159">
       <p:transition xmlns:p14="http://schemas.microsoft.com/office/powerpoint/2010/main" spd="slow" p14:dur="2000">
         <p159:morph option="byObject"/>
       </p:transition>
     </mc:Choice>
-    <mc:Fallback>
+    <mc:Fallback xmlns="">
       <p:transition spd="slow">
         <p:fade/>
       </p:transition>
@@ -4371,13 +4371,13 @@
   <p:clrMapOvr>
     <a:masterClrMapping/>
   </p:clrMapOvr>
-  <mc:AlternateContent xmlns:mc="http://schemas.openxmlformats.org/markup-compatibility/2006">
-    <mc:Choice xmlns:p159="http://schemas.microsoft.com/office/powerpoint/2015/09/main" Requires="p159">
+  <mc:AlternateContent xmlns:mc="http://schemas.openxmlformats.org/markup-compatibility/2006" xmlns:p159="http://schemas.microsoft.com/office/powerpoint/2015/09/main">
+    <mc:Choice Requires="p159">
       <p:transition xmlns:p14="http://schemas.microsoft.com/office/powerpoint/2010/main" spd="slow" p14:dur="2000">
         <p159:morph option="byObject"/>
       </p:transition>
     </mc:Choice>
-    <mc:Fallback>
+    <mc:Fallback xmlns="">
       <p:transition spd="slow">
         <p:fade/>
       </p:transition>
@@ -5040,13 +5040,13 @@
   <p:clrMapOvr>
     <a:masterClrMapping/>
   </p:clrMapOvr>
-  <mc:AlternateContent xmlns:mc="http://schemas.openxmlformats.org/markup-compatibility/2006">
-    <mc:Choice xmlns:p159="http://schemas.microsoft.com/office/powerpoint/2015/09/main" Requires="p159">
+  <mc:AlternateContent xmlns:mc="http://schemas.openxmlformats.org/markup-compatibility/2006" xmlns:p159="http://schemas.microsoft.com/office/powerpoint/2015/09/main">
+    <mc:Choice Requires="p159">
       <p:transition xmlns:p14="http://schemas.microsoft.com/office/powerpoint/2010/main" spd="slow" p14:dur="2000">
         <p159:morph option="byObject"/>
       </p:transition>
     </mc:Choice>
-    <mc:Fallback>
+    <mc:Fallback xmlns="">
       <p:transition spd="slow">
         <p:fade/>
       </p:transition>
@@ -5431,13 +5431,13 @@
   <p:clrMapOvr>
     <a:masterClrMapping/>
   </p:clrMapOvr>
-  <mc:AlternateContent xmlns:mc="http://schemas.openxmlformats.org/markup-compatibility/2006">
-    <mc:Choice xmlns:p159="http://schemas.microsoft.com/office/powerpoint/2015/09/main" Requires="p159">
+  <mc:AlternateContent xmlns:mc="http://schemas.openxmlformats.org/markup-compatibility/2006" xmlns:p159="http://schemas.microsoft.com/office/powerpoint/2015/09/main">
+    <mc:Choice Requires="p159">
       <p:transition xmlns:p14="http://schemas.microsoft.com/office/powerpoint/2010/main" spd="slow" p14:dur="2000">
         <p159:morph option="byObject"/>
       </p:transition>
     </mc:Choice>
-    <mc:Fallback>
+    <mc:Fallback xmlns="">
       <p:transition spd="slow">
         <p:fade/>
       </p:transition>
@@ -7529,13 +7529,13 @@
   <p:clrMapOvr>
     <a:masterClrMapping/>
   </p:clrMapOvr>
-  <mc:AlternateContent xmlns:mc="http://schemas.openxmlformats.org/markup-compatibility/2006">
-    <mc:Choice xmlns:p159="http://schemas.microsoft.com/office/powerpoint/2015/09/main" Requires="p159">
+  <mc:AlternateContent xmlns:mc="http://schemas.openxmlformats.org/markup-compatibility/2006" xmlns:p159="http://schemas.microsoft.com/office/powerpoint/2015/09/main">
+    <mc:Choice Requires="p159">
       <p:transition xmlns:p14="http://schemas.microsoft.com/office/powerpoint/2010/main" spd="slow" p14:dur="2000">
         <p159:morph option="byObject"/>
       </p:transition>
     </mc:Choice>
-    <mc:Fallback>
+    <mc:Fallback xmlns="">
       <p:transition spd="slow">
         <p:fade/>
       </p:transition>
@@ -8299,13 +8299,13 @@
   <p:clrMapOvr>
     <a:masterClrMapping/>
   </p:clrMapOvr>
-  <mc:AlternateContent xmlns:mc="http://schemas.openxmlformats.org/markup-compatibility/2006" xmlns:p15="http://schemas.microsoft.com/office/powerpoint/2012/main">
-    <mc:Choice Requires="p15">
+  <mc:AlternateContent xmlns:mc="http://schemas.openxmlformats.org/markup-compatibility/2006">
+    <mc:Choice xmlns:p159="http://schemas.microsoft.com/office/powerpoint/2015/09/main" Requires="p159">
       <p:transition xmlns:p14="http://schemas.microsoft.com/office/powerpoint/2010/main" spd="slow" p14:dur="2000">
-        <p15:prstTrans prst="fallOver"/>
+        <p159:morph option="byObject"/>
       </p:transition>
     </mc:Choice>
-    <mc:Fallback xmlns="">
+    <mc:Fallback>
       <p:transition spd="slow">
         <p:fade/>
       </p:transition>
@@ -9357,13 +9357,13 @@
   <p:clrMapOvr>
     <a:masterClrMapping/>
   </p:clrMapOvr>
-  <mc:AlternateContent xmlns:mc="http://schemas.openxmlformats.org/markup-compatibility/2006">
-    <mc:Choice xmlns:p159="http://schemas.microsoft.com/office/powerpoint/2015/09/main" Requires="p159">
+  <mc:AlternateContent xmlns:mc="http://schemas.openxmlformats.org/markup-compatibility/2006" xmlns:p159="http://schemas.microsoft.com/office/powerpoint/2015/09/main">
+    <mc:Choice Requires="p159">
       <p:transition xmlns:p14="http://schemas.microsoft.com/office/powerpoint/2010/main" spd="slow" p14:dur="2000">
         <p159:morph option="byObject"/>
       </p:transition>
     </mc:Choice>
-    <mc:Fallback>
+    <mc:Fallback xmlns="">
       <p:transition spd="slow">
         <p:fade/>
       </p:transition>
@@ -9892,13 +9892,13 @@
   <p:clrMapOvr>
     <a:masterClrMapping/>
   </p:clrMapOvr>
-  <mc:AlternateContent xmlns:mc="http://schemas.openxmlformats.org/markup-compatibility/2006">
-    <mc:Choice xmlns:p159="http://schemas.microsoft.com/office/powerpoint/2015/09/main" Requires="p159">
+  <mc:AlternateContent xmlns:mc="http://schemas.openxmlformats.org/markup-compatibility/2006" xmlns:p159="http://schemas.microsoft.com/office/powerpoint/2015/09/main">
+    <mc:Choice Requires="p159">
       <p:transition xmlns:p14="http://schemas.microsoft.com/office/powerpoint/2010/main" spd="slow" p14:dur="2000">
         <p159:morph option="byObject"/>
       </p:transition>
     </mc:Choice>
-    <mc:Fallback>
+    <mc:Fallback xmlns="">
       <p:transition spd="slow">
         <p:fade/>
       </p:transition>
@@ -10417,13 +10417,13 @@
   <p:clrMapOvr>
     <a:masterClrMapping/>
   </p:clrMapOvr>
-  <mc:AlternateContent xmlns:mc="http://schemas.openxmlformats.org/markup-compatibility/2006">
-    <mc:Choice xmlns:p159="http://schemas.microsoft.com/office/powerpoint/2015/09/main" Requires="p159">
+  <mc:AlternateContent xmlns:mc="http://schemas.openxmlformats.org/markup-compatibility/2006" xmlns:p159="http://schemas.microsoft.com/office/powerpoint/2015/09/main">
+    <mc:Choice Requires="p159">
       <p:transition xmlns:p14="http://schemas.microsoft.com/office/powerpoint/2010/main" spd="slow" p14:dur="2000">
         <p159:morph option="byObject"/>
       </p:transition>
     </mc:Choice>
-    <mc:Fallback>
+    <mc:Fallback xmlns="">
       <p:transition spd="slow">
         <p:fade/>
       </p:transition>
@@ -10792,13 +10792,13 @@
   <p:clrMapOvr>
     <a:masterClrMapping/>
   </p:clrMapOvr>
-  <mc:AlternateContent xmlns:mc="http://schemas.openxmlformats.org/markup-compatibility/2006">
-    <mc:Choice xmlns:p159="http://schemas.microsoft.com/office/powerpoint/2015/09/main" Requires="p159">
+  <mc:AlternateContent xmlns:mc="http://schemas.openxmlformats.org/markup-compatibility/2006" xmlns:p159="http://schemas.microsoft.com/office/powerpoint/2015/09/main">
+    <mc:Choice Requires="p159">
       <p:transition xmlns:p14="http://schemas.microsoft.com/office/powerpoint/2010/main" spd="slow" p14:dur="2000">
         <p159:morph option="byObject"/>
       </p:transition>
     </mc:Choice>
-    <mc:Fallback>
+    <mc:Fallback xmlns="">
       <p:transition spd="slow">
         <p:fade/>
       </p:transition>
@@ -11377,13 +11377,13 @@
   <p:clrMapOvr>
     <a:masterClrMapping/>
   </p:clrMapOvr>
-  <mc:AlternateContent xmlns:mc="http://schemas.openxmlformats.org/markup-compatibility/2006">
-    <mc:Choice xmlns:p159="http://schemas.microsoft.com/office/powerpoint/2015/09/main" Requires="p159">
+  <mc:AlternateContent xmlns:mc="http://schemas.openxmlformats.org/markup-compatibility/2006" xmlns:p159="http://schemas.microsoft.com/office/powerpoint/2015/09/main">
+    <mc:Choice Requires="p159">
       <p:transition xmlns:p14="http://schemas.microsoft.com/office/powerpoint/2010/main" spd="slow" p14:dur="2000">
         <p159:morph option="byObject"/>
       </p:transition>
     </mc:Choice>
-    <mc:Fallback>
+    <mc:Fallback xmlns="">
       <p:transition spd="slow">
         <p:fade/>
       </p:transition>
@@ -12013,13 +12013,13 @@
   <p:clrMapOvr>
     <a:masterClrMapping/>
   </p:clrMapOvr>
-  <mc:AlternateContent xmlns:mc="http://schemas.openxmlformats.org/markup-compatibility/2006">
-    <mc:Choice xmlns:p159="http://schemas.microsoft.com/office/powerpoint/2015/09/main" Requires="p159">
+  <mc:AlternateContent xmlns:mc="http://schemas.openxmlformats.org/markup-compatibility/2006" xmlns:p159="http://schemas.microsoft.com/office/powerpoint/2015/09/main">
+    <mc:Choice Requires="p159">
       <p:transition xmlns:p14="http://schemas.microsoft.com/office/powerpoint/2010/main" spd="slow" p14:dur="2000">
         <p159:morph option="byObject"/>
       </p:transition>
     </mc:Choice>
-    <mc:Fallback>
+    <mc:Fallback xmlns="">
       <p:transition spd="slow">
         <p:fade/>
       </p:transition>
